--- a/material/presentation.pptx
+++ b/material/presentation.pptx
@@ -168,7 +168,7 @@
   </p:defaultTextStyle>
   <p:extLst>
     <p:ext uri="{EFAFB233-063F-42B5-8137-9DF3F51BA10A}">
-      <p15:sldGuideLst xmlns="" xmlns:p15="http://schemas.microsoft.com/office/powerpoint/2012/main">
+      <p15:sldGuideLst xmlns:p15="http://schemas.microsoft.com/office/powerpoint/2012/main" xmlns="">
         <p15:guide id="1" orient="horz" pos="2160">
           <p15:clr>
             <a:srgbClr val="A4A3A4"/>
@@ -267,7 +267,7 @@
           <a:p>
             <a:fld id="{DF271E1A-28DB-8245-8A2E-B196AA207222}" type="datetimeFigureOut">
               <a:rPr lang="en-US" smtClean="0"/>
-              <a:t>29/02/16</a:t>
+              <a:t>04/03/16</a:t>
             </a:fld>
             <a:endParaRPr lang="en-GB"/>
           </a:p>
@@ -432,7 +432,7 @@
           <a:p>
             <a:fld id="{44D3E310-58ED-4B49-A009-CC8F6AD73C05}" type="datetimeFigureOut">
               <a:rPr lang="en-US" smtClean="0"/>
-              <a:t>29/02/16</a:t>
+              <a:t>04/03/16</a:t>
             </a:fld>
             <a:endParaRPr lang="en-GB"/>
           </a:p>
@@ -1511,19 +1511,7 @@
           <a:p>
             <a:r>
               <a:rPr lang="en-US" dirty="0" smtClean="0"/>
-              <a:t>Focus on 2 </a:t>
-            </a:r>
-            <a:r>
-              <a:rPr lang="en-US" dirty="0" smtClean="0"/>
-              <a:t>previously, </a:t>
-            </a:r>
-            <a:r>
-              <a:rPr lang="en-US" dirty="0" smtClean="0"/>
-              <a:t>3 </a:t>
-            </a:r>
-            <a:r>
-              <a:rPr lang="en-US" dirty="0" smtClean="0"/>
-              <a:t>today.</a:t>
+              <a:t>Focus on 2 previously, 3 today.</a:t>
             </a:r>
             <a:endParaRPr lang="en-US" dirty="0"/>
           </a:p>
@@ -2410,7 +2398,7 @@
                 <a:latin typeface="Calibri"/>
               </a:rPr>
               <a:pPr/>
-              <a:t>29/02/16</a:t>
+              <a:t>04/03/16</a:t>
             </a:fld>
             <a:endParaRPr lang="en-US">
               <a:solidFill>
@@ -2617,7 +2605,7 @@
                 <a:latin typeface="Calibri"/>
               </a:rPr>
               <a:pPr/>
-              <a:t>29/02/16</a:t>
+              <a:t>04/03/16</a:t>
             </a:fld>
             <a:endParaRPr lang="en-US">
               <a:solidFill>
@@ -2834,7 +2822,7 @@
                 <a:latin typeface="Calibri"/>
               </a:rPr>
               <a:pPr/>
-              <a:t>29/02/16</a:t>
+              <a:t>04/03/16</a:t>
             </a:fld>
             <a:endParaRPr lang="en-US">
               <a:solidFill>
@@ -3125,7 +3113,7 @@
                 <a:latin typeface="Arial"/>
               </a:rPr>
               <a:pPr/>
-              <a:t>29/02/16</a:t>
+              <a:t>04/03/16</a:t>
             </a:fld>
             <a:endParaRPr lang="en-US">
               <a:solidFill>
@@ -3370,7 +3358,7 @@
                 <a:latin typeface="Arial"/>
               </a:rPr>
               <a:pPr/>
-              <a:t>29/02/16</a:t>
+              <a:t>04/03/16</a:t>
             </a:fld>
             <a:endParaRPr lang="en-US">
               <a:solidFill>
@@ -3673,7 +3661,7 @@
                 <a:latin typeface="Arial"/>
               </a:rPr>
               <a:pPr/>
-              <a:t>29/02/16</a:t>
+              <a:t>04/03/16</a:t>
             </a:fld>
             <a:endParaRPr lang="en-US">
               <a:solidFill>
@@ -4034,7 +4022,7 @@
                 <a:latin typeface="Arial"/>
               </a:rPr>
               <a:pPr/>
-              <a:t>29/02/16</a:t>
+              <a:t>04/03/16</a:t>
             </a:fld>
             <a:endParaRPr lang="en-US">
               <a:solidFill>
@@ -4527,7 +4515,7 @@
                 <a:latin typeface="Arial"/>
               </a:rPr>
               <a:pPr/>
-              <a:t>29/02/16</a:t>
+              <a:t>04/03/16</a:t>
             </a:fld>
             <a:endParaRPr lang="en-US">
               <a:solidFill>
@@ -4712,7 +4700,7 @@
                 <a:latin typeface="Arial"/>
               </a:rPr>
               <a:pPr/>
-              <a:t>29/02/16</a:t>
+              <a:t>04/03/16</a:t>
             </a:fld>
             <a:endParaRPr lang="en-US">
               <a:solidFill>
@@ -4858,7 +4846,7 @@
                 <a:latin typeface="Arial"/>
               </a:rPr>
               <a:pPr/>
-              <a:t>29/02/16</a:t>
+              <a:t>04/03/16</a:t>
             </a:fld>
             <a:endParaRPr lang="en-US">
               <a:solidFill>
@@ -5195,7 +5183,7 @@
                 <a:latin typeface="Arial"/>
               </a:rPr>
               <a:pPr/>
-              <a:t>29/02/16</a:t>
+              <a:t>04/03/16</a:t>
             </a:fld>
             <a:endParaRPr lang="en-US">
               <a:solidFill>
@@ -5420,7 +5408,7 @@
                 <a:latin typeface="Calibri"/>
               </a:rPr>
               <a:pPr/>
-              <a:t>29/02/16</a:t>
+              <a:t>04/03/16</a:t>
             </a:fld>
             <a:endParaRPr lang="en-US">
               <a:solidFill>
@@ -5725,7 +5713,7 @@
                 <a:latin typeface="Arial"/>
               </a:rPr>
               <a:pPr/>
-              <a:t>29/02/16</a:t>
+              <a:t>04/03/16</a:t>
             </a:fld>
             <a:endParaRPr lang="en-US">
               <a:solidFill>
@@ -5962,7 +5950,7 @@
                 <a:latin typeface="Arial"/>
               </a:rPr>
               <a:pPr/>
-              <a:t>29/02/16</a:t>
+              <a:t>04/03/16</a:t>
             </a:fld>
             <a:endParaRPr lang="en-US">
               <a:solidFill>
@@ -6199,7 +6187,7 @@
                 <a:latin typeface="Arial"/>
               </a:rPr>
               <a:pPr/>
-              <a:t>29/02/16</a:t>
+              <a:t>04/03/16</a:t>
             </a:fld>
             <a:endParaRPr lang="en-US">
               <a:solidFill>
@@ -6825,7 +6813,7 @@
                 <a:latin typeface="Calibri"/>
               </a:rPr>
               <a:pPr/>
-              <a:t>29/02/16</a:t>
+              <a:t>04/03/16</a:t>
             </a:fld>
             <a:endParaRPr lang="en-US">
               <a:solidFill>
@@ -7150,7 +7138,7 @@
                 <a:latin typeface="Calibri"/>
               </a:rPr>
               <a:pPr/>
-              <a:t>29/02/16</a:t>
+              <a:t>04/03/16</a:t>
             </a:fld>
             <a:endParaRPr lang="en-US">
               <a:solidFill>
@@ -7609,7 +7597,7 @@
                 <a:latin typeface="Calibri"/>
               </a:rPr>
               <a:pPr/>
-              <a:t>29/02/16</a:t>
+              <a:t>04/03/16</a:t>
             </a:fld>
             <a:endParaRPr lang="en-US">
               <a:solidFill>
@@ -7764,7 +7752,7 @@
                 <a:latin typeface="Calibri"/>
               </a:rPr>
               <a:pPr/>
-              <a:t>29/02/16</a:t>
+              <a:t>04/03/16</a:t>
             </a:fld>
             <a:endParaRPr lang="en-US">
               <a:solidFill>
@@ -7896,7 +7884,7 @@
                 <a:latin typeface="Calibri"/>
               </a:rPr>
               <a:pPr/>
-              <a:t>29/02/16</a:t>
+              <a:t>04/03/16</a:t>
             </a:fld>
             <a:endParaRPr lang="en-US">
               <a:solidFill>
@@ -8210,7 +8198,7 @@
                 <a:latin typeface="Calibri"/>
               </a:rPr>
               <a:pPr/>
-              <a:t>29/02/16</a:t>
+              <a:t>04/03/16</a:t>
             </a:fld>
             <a:endParaRPr lang="en-US">
               <a:solidFill>
@@ -8500,7 +8488,7 @@
                 <a:latin typeface="Calibri"/>
               </a:rPr>
               <a:pPr/>
-              <a:t>29/02/16</a:t>
+              <a:t>04/03/16</a:t>
             </a:fld>
             <a:endParaRPr lang="en-US">
               <a:solidFill>
@@ -8756,7 +8744,7 @@
                 <a:latin typeface="Calibri"/>
               </a:rPr>
               <a:pPr/>
-              <a:t>29/02/16</a:t>
+              <a:t>04/03/16</a:t>
             </a:fld>
             <a:endParaRPr lang="en-US">
               <a:solidFill>
@@ -10550,6 +10538,13 @@
   <p:clrMapOvr>
     <a:masterClrMapping/>
   </p:clrMapOvr>
+  <p:timing>
+    <p:tnLst>
+      <p:par>
+        <p:cTn xmlns:p14="http://schemas.microsoft.com/office/powerpoint/2010/main" id="1" dur="indefinite" restart="never" nodeType="tmRoot"/>
+      </p:par>
+    </p:tnLst>
+  </p:timing>
 </p:sld>
 </file>
 
@@ -10626,11 +10621,7 @@
           <a:p>
             <a:r>
               <a:rPr lang="en-US" dirty="0" smtClean="0"/>
-              <a:t>Making </a:t>
-            </a:r>
-            <a:r>
-              <a:rPr lang="en-US" dirty="0" smtClean="0"/>
-              <a:t>Maps recap</a:t>
+              <a:t>Making Maps recap</a:t>
             </a:r>
           </a:p>
           <a:p>
@@ -10793,15 +10784,7 @@
             <a:pPr lvl="0"/>
             <a:r>
               <a:rPr lang="en-GB" sz="2800" strike="sngStrike" dirty="0"/>
-              <a:t>9:</a:t>
-            </a:r>
-            <a:r>
-              <a:rPr lang="en-GB" sz="2800" strike="sngStrike" dirty="0"/>
-              <a:t>45 - </a:t>
-            </a:r>
-            <a:r>
-              <a:rPr lang="en-GB" sz="2800" strike="sngStrike" dirty="0"/>
-              <a:t>10</a:t>
+              <a:t>9:45 - 10</a:t>
             </a:r>
             <a:r>
               <a:rPr lang="en-GB" sz="2800" strike="sngStrike" dirty="0" smtClean="0"/>
@@ -10809,11 +10792,7 @@
             </a:r>
             <a:r>
               <a:rPr lang="en-GB" sz="2800" strike="sngStrike" dirty="0"/>
-              <a:t>– </a:t>
-            </a:r>
-            <a:r>
-              <a:rPr lang="en-GB" sz="2800" strike="sngStrike" dirty="0"/>
-              <a:t>Spatial data </a:t>
+              <a:t>– Spatial data </a:t>
             </a:r>
             <a:r>
               <a:rPr lang="en-GB" sz="2800" strike="sngStrike" dirty="0" smtClean="0"/>
@@ -10824,15 +10803,7 @@
             <a:pPr lvl="0"/>
             <a:r>
               <a:rPr lang="en-GB" sz="2800" strike="sngStrike" dirty="0" smtClean="0"/>
-              <a:t>10</a:t>
-            </a:r>
-            <a:r>
-              <a:rPr lang="en-GB" sz="2800" strike="sngStrike" dirty="0" smtClean="0"/>
-              <a:t>:</a:t>
-            </a:r>
-            <a:r>
-              <a:rPr lang="en-GB" sz="2800" strike="sngStrike" dirty="0" smtClean="0"/>
-              <a:t>05 </a:t>
+              <a:t>10:05 </a:t>
             </a:r>
             <a:r>
               <a:rPr lang="en-GB" sz="2800" strike="sngStrike" dirty="0"/>
@@ -10896,11 +10867,7 @@
             </a:r>
             <a:r>
               <a:rPr lang="en-GB" sz="2800" i="1" dirty="0" smtClean="0"/>
-              <a:t>P.2 </a:t>
-            </a:r>
-            <a:r>
-              <a:rPr lang="en-GB" sz="2800" i="1" dirty="0" smtClean="0"/>
-              <a:t>Spatial Analysis</a:t>
+              <a:t>P.2 Spatial Analysis</a:t>
             </a:r>
             <a:endParaRPr lang="en-US" sz="2800" dirty="0"/>
           </a:p>
@@ -10912,11 +10879,7 @@
             </a:r>
             <a:r>
               <a:rPr lang="en-GB" sz="2800" i="1" dirty="0" smtClean="0"/>
-              <a:t>30 </a:t>
-            </a:r>
-            <a:r>
-              <a:rPr lang="en-GB" sz="2800" i="1" dirty="0" smtClean="0"/>
-              <a:t>- </a:t>
+              <a:t>30 - </a:t>
             </a:r>
             <a:r>
               <a:rPr lang="en-GB" sz="2800" i="1" dirty="0"/>
@@ -10932,11 +10895,7 @@
             </a:r>
             <a:r>
               <a:rPr lang="en-GB" sz="2800" dirty="0" smtClean="0"/>
-              <a:t>30 </a:t>
-            </a:r>
-            <a:r>
-              <a:rPr lang="en-GB" sz="2800" dirty="0" smtClean="0"/>
-              <a:t>- </a:t>
+              <a:t>30 - </a:t>
             </a:r>
             <a:r>
               <a:rPr lang="en-GB" sz="2800" dirty="0"/>
@@ -10952,15 +10911,7 @@
             <a:pPr lvl="0"/>
             <a:r>
               <a:rPr lang="en-GB" sz="2800" dirty="0" smtClean="0"/>
-              <a:t>1:</a:t>
-            </a:r>
-            <a:r>
-              <a:rPr lang="en-GB" sz="2800" dirty="0" smtClean="0"/>
-              <a:t>45 </a:t>
-            </a:r>
-            <a:r>
-              <a:rPr lang="en-GB" sz="2800" dirty="0" smtClean="0"/>
-              <a:t>- 3:00pm – </a:t>
+              <a:t>1:45 - 3:00pm – </a:t>
             </a:r>
             <a:r>
               <a:rPr lang="en-GB" sz="2800" i="1" dirty="0" smtClean="0"/>
@@ -10972,19 +10923,7 @@
             <a:pPr lvl="0"/>
             <a:r>
               <a:rPr lang="en-GB" sz="2800" i="1" dirty="0" smtClean="0"/>
-              <a:t>3:</a:t>
-            </a:r>
-            <a:r>
-              <a:rPr lang="en-GB" sz="2800" i="1" dirty="0" smtClean="0"/>
-              <a:t>00 </a:t>
-            </a:r>
-            <a:r>
-              <a:rPr lang="en-GB" sz="2800" i="1" dirty="0" smtClean="0"/>
-              <a:t>- 3:15pm – </a:t>
-            </a:r>
-            <a:r>
-              <a:rPr lang="en-GB" sz="2800" i="1" dirty="0" smtClean="0"/>
-              <a:t>Tea/Coffee</a:t>
+              <a:t>3:00 - 3:15pm – Tea/Coffee</a:t>
             </a:r>
             <a:endParaRPr lang="en-US" sz="2800" i="1" dirty="0" smtClean="0"/>
           </a:p>
@@ -10992,11 +10931,7 @@
             <a:pPr lvl="0"/>
             <a:r>
               <a:rPr lang="en-GB" sz="2800" dirty="0" smtClean="0"/>
-              <a:t>3:</a:t>
-            </a:r>
-            <a:r>
-              <a:rPr lang="en-GB" sz="2800" dirty="0" smtClean="0"/>
-              <a:t>15 </a:t>
+              <a:t>3:15 </a:t>
             </a:r>
             <a:r>
               <a:rPr lang="en-GB" sz="2800" dirty="0"/>
@@ -11160,7 +11095,6 @@
               <a:rPr lang="en-US" dirty="0" smtClean="0"/>
               <a:t>Also Limitations</a:t>
             </a:r>
-            <a:endParaRPr lang="en-US" dirty="0" smtClean="0"/>
           </a:p>
         </p:txBody>
       </p:sp>
@@ -11288,11 +11222,6 @@
               </a:rPr>
               <a:t>Challenges</a:t>
             </a:r>
-            <a:endParaRPr lang="en-GB" b="1" dirty="0" smtClean="0">
-              <a:solidFill>
-                <a:schemeClr val="tx2"/>
-              </a:solidFill>
-            </a:endParaRPr>
           </a:p>
           <a:p>
             <a:r>
@@ -11352,13 +11281,8 @@
             </a:r>
             <a:r>
               <a:rPr lang="en-GB" sz="3200" dirty="0"/>
-              <a:t>regression </a:t>
-            </a:r>
-            <a:r>
-              <a:rPr lang="en-GB" sz="3200" dirty="0"/>
-              <a:t>techniques</a:t>
-            </a:r>
-            <a:endParaRPr lang="en-GB" sz="3200" dirty="0"/>
+              <a:t>regression techniques</a:t>
+            </a:r>
           </a:p>
         </p:txBody>
       </p:sp>
@@ -11402,6 +11326,13 @@
   <p:clrMapOvr>
     <a:masterClrMapping/>
   </p:clrMapOvr>
+  <p:timing>
+    <p:tnLst>
+      <p:par>
+        <p:cTn xmlns:p14="http://schemas.microsoft.com/office/powerpoint/2010/main" id="1" dur="indefinite" restart="never" nodeType="tmRoot"/>
+      </p:par>
+    </p:tnLst>
+  </p:timing>
 </p:sld>
 </file>
 
@@ -11565,6 +11496,13 @@
   <p:clrMapOvr>
     <a:masterClrMapping/>
   </p:clrMapOvr>
+  <p:timing>
+    <p:tnLst>
+      <p:par>
+        <p:cTn xmlns:p14="http://schemas.microsoft.com/office/powerpoint/2010/main" id="1" dur="indefinite" restart="never" nodeType="tmRoot"/>
+      </p:par>
+    </p:tnLst>
+  </p:timing>
 </p:sld>
 </file>
 
@@ -11726,6 +11664,13 @@
   <p:clrMapOvr>
     <a:masterClrMapping/>
   </p:clrMapOvr>
+  <p:timing>
+    <p:tnLst>
+      <p:par>
+        <p:cTn xmlns:p14="http://schemas.microsoft.com/office/powerpoint/2010/main" id="1" dur="indefinite" restart="never" nodeType="tmRoot"/>
+      </p:par>
+    </p:tnLst>
+  </p:timing>
 </p:sld>
 </file>
 
@@ -11838,6 +11783,13 @@
   <p:clrMapOvr>
     <a:masterClrMapping/>
   </p:clrMapOvr>
+  <p:timing>
+    <p:tnLst>
+      <p:par>
+        <p:cTn xmlns:p14="http://schemas.microsoft.com/office/powerpoint/2010/main" id="1" dur="indefinite" restart="never" nodeType="tmRoot"/>
+      </p:par>
+    </p:tnLst>
+  </p:timing>
 </p:sld>
 </file>
 
@@ -11946,7 +11898,6 @@
               <a:rPr lang="en-US" dirty="0" smtClean="0"/>
               <a:t>Scripts</a:t>
             </a:r>
-            <a:endParaRPr lang="en-US" dirty="0" smtClean="0"/>
           </a:p>
           <a:p>
             <a:pPr lvl="1"/>
@@ -11954,7 +11905,6 @@
               <a:rPr lang="en-US" dirty="0" smtClean="0"/>
               <a:t>Functions</a:t>
             </a:r>
-            <a:endParaRPr lang="en-US" dirty="0" smtClean="0"/>
           </a:p>
         </p:txBody>
       </p:sp>
@@ -12136,6 +12086,13 @@
   <p:clrMapOvr>
     <a:masterClrMapping/>
   </p:clrMapOvr>
+  <p:timing>
+    <p:tnLst>
+      <p:par>
+        <p:cTn xmlns:p14="http://schemas.microsoft.com/office/powerpoint/2010/main" id="1" dur="indefinite" restart="never" nodeType="tmRoot"/>
+      </p:par>
+    </p:tnLst>
+  </p:timing>
 </p:sld>
 </file>
 
@@ -12178,15 +12135,7 @@
           <a:p>
             <a:r>
               <a:rPr lang="en-GB" dirty="0" smtClean="0"/>
-              <a:t>Ecological </a:t>
-            </a:r>
-            <a:r>
-              <a:rPr lang="en-GB" dirty="0" smtClean="0"/>
-              <a:t>&amp; individualistic </a:t>
-            </a:r>
-            <a:r>
-              <a:rPr lang="en-GB" dirty="0" smtClean="0"/>
-              <a:t>fallacy</a:t>
+              <a:t>Ecological &amp; individualistic fallacy</a:t>
             </a:r>
             <a:endParaRPr lang="en-GB" dirty="0"/>
           </a:p>
@@ -12241,7 +12190,6 @@
               <a:rPr lang="en-GB" sz="2200" i="1" dirty="0" smtClean="0"/>
               <a:t>Assuming every individual in the group has the group characteristics (e.g. IMD)</a:t>
             </a:r>
-            <a:endParaRPr lang="en-GB" sz="2200" i="1" dirty="0" smtClean="0"/>
           </a:p>
           <a:p>
             <a:endParaRPr lang="en-GB" sz="2200" dirty="0"/>
@@ -12287,6 +12235,13 @@
   <p:clrMapOvr>
     <a:masterClrMapping/>
   </p:clrMapOvr>
+  <p:timing>
+    <p:tnLst>
+      <p:par>
+        <p:cTn xmlns:p14="http://schemas.microsoft.com/office/powerpoint/2010/main" id="1" dur="indefinite" restart="never" nodeType="tmRoot"/>
+      </p:par>
+    </p:tnLst>
+  </p:timing>
 </p:sld>
 </file>
 
@@ -12453,6 +12408,13 @@
   <p:clrMapOvr>
     <a:masterClrMapping/>
   </p:clrMapOvr>
+  <p:timing>
+    <p:tnLst>
+      <p:par>
+        <p:cTn xmlns:p14="http://schemas.microsoft.com/office/powerpoint/2010/main" id="1" dur="indefinite" restart="never" nodeType="tmRoot"/>
+      </p:par>
+    </p:tnLst>
+  </p:timing>
 </p:sld>
 </file>
 
@@ -17965,6 +17927,13 @@
   <p:clrMapOvr>
     <a:masterClrMapping/>
   </p:clrMapOvr>
+  <p:timing>
+    <p:tnLst>
+      <p:par>
+        <p:cTn xmlns:p14="http://schemas.microsoft.com/office/powerpoint/2010/main" id="1" dur="indefinite" restart="never" nodeType="tmRoot"/>
+      </p:par>
+    </p:tnLst>
+  </p:timing>
 </p:sld>
 </file>
 
@@ -23484,6 +23453,13 @@
   <p:clrMapOvr>
     <a:masterClrMapping/>
   </p:clrMapOvr>
+  <p:timing>
+    <p:tnLst>
+      <p:par>
+        <p:cTn xmlns:p14="http://schemas.microsoft.com/office/powerpoint/2010/main" id="1" dur="indefinite" restart="never" nodeType="tmRoot"/>
+      </p:par>
+    </p:tnLst>
+  </p:timing>
 </p:sld>
 </file>
 
@@ -23653,6 +23629,13 @@
   <p:clrMapOvr>
     <a:masterClrMapping/>
   </p:clrMapOvr>
+  <p:timing>
+    <p:tnLst>
+      <p:par>
+        <p:cTn xmlns:p14="http://schemas.microsoft.com/office/powerpoint/2010/main" id="1" dur="indefinite" restart="never" nodeType="tmRoot"/>
+      </p:par>
+    </p:tnLst>
+  </p:timing>
 </p:sld>
 </file>
 
@@ -23770,6 +23753,13 @@
   <p:clrMapOvr>
     <a:masterClrMapping/>
   </p:clrMapOvr>
+  <p:timing>
+    <p:tnLst>
+      <p:par>
+        <p:cTn xmlns:p14="http://schemas.microsoft.com/office/powerpoint/2010/main" id="1" dur="indefinite" restart="never" nodeType="tmRoot"/>
+      </p:par>
+    </p:tnLst>
+  </p:timing>
 </p:sld>
 </file>
 
@@ -28395,6 +28385,13 @@
   <p:clrMapOvr>
     <a:masterClrMapping/>
   </p:clrMapOvr>
+  <p:timing>
+    <p:tnLst>
+      <p:par>
+        <p:cTn xmlns:p14="http://schemas.microsoft.com/office/powerpoint/2010/main" id="1" dur="indefinite" restart="never" nodeType="tmRoot"/>
+      </p:par>
+    </p:tnLst>
+  </p:timing>
 </p:sld>
 </file>
 
@@ -28674,6 +28671,13 @@
   <p:clrMapOvr>
     <a:masterClrMapping/>
   </p:clrMapOvr>
+  <p:timing>
+    <p:tnLst>
+      <p:par>
+        <p:cTn xmlns:p14="http://schemas.microsoft.com/office/powerpoint/2010/main" id="1" dur="indefinite" restart="never" nodeType="tmRoot"/>
+      </p:par>
+    </p:tnLst>
+  </p:timing>
 </p:sld>
 </file>
 
@@ -28747,11 +28751,7 @@
             <a:pPr algn="r"/>
             <a:r>
               <a:rPr lang="en-GB" sz="2400" dirty="0" smtClean="0"/>
-              <a:t>IMD in </a:t>
-            </a:r>
-            <a:r>
-              <a:rPr lang="en-GB" sz="2400" dirty="0" smtClean="0"/>
-              <a:t>Greater Manchester</a:t>
+              <a:t>IMD in Greater Manchester</a:t>
             </a:r>
             <a:endParaRPr lang="en-GB" sz="2400" dirty="0"/>
           </a:p>
@@ -28797,6 +28797,13 @@
   <p:clrMapOvr>
     <a:masterClrMapping/>
   </p:clrMapOvr>
+  <p:timing>
+    <p:tnLst>
+      <p:par>
+        <p:cTn xmlns:p14="http://schemas.microsoft.com/office/powerpoint/2010/main" id="1" dur="indefinite" restart="never" nodeType="tmRoot"/>
+      </p:par>
+    </p:tnLst>
+  </p:timing>
 </p:sld>
 </file>
 
@@ -28888,11 +28895,7 @@
             <a:pPr lvl="1"/>
             <a:r>
               <a:rPr lang="en-US" dirty="0" smtClean="0"/>
-              <a:t>Clustering, </a:t>
-            </a:r>
-            <a:r>
-              <a:rPr lang="en-US" dirty="0" smtClean="0"/>
-              <a:t>Regression</a:t>
+              <a:t>Clustering, Regression</a:t>
             </a:r>
           </a:p>
           <a:p>
@@ -28919,11 +28922,7 @@
           <a:p>
             <a:r>
               <a:rPr lang="en-US" dirty="0" err="1" smtClean="0"/>
-              <a:t>G</a:t>
-            </a:r>
-            <a:r>
-              <a:rPr lang="en-US" dirty="0" err="1" smtClean="0"/>
-              <a:t>eoDa</a:t>
+              <a:t>GeoDa</a:t>
             </a:r>
             <a:endParaRPr lang="en-US" dirty="0" smtClean="0"/>
           </a:p>
@@ -28933,7 +28932,6 @@
               <a:rPr lang="en-US" dirty="0" smtClean="0"/>
               <a:t>Spatial Autocorrelation / Clustering</a:t>
             </a:r>
-            <a:endParaRPr lang="en-US" dirty="0" smtClean="0"/>
           </a:p>
         </p:txBody>
       </p:sp>
@@ -29152,7 +29150,6 @@
               <a:rPr lang="en-GB" dirty="0"/>
               <a:t>clusters</a:t>
             </a:r>
-            <a:endParaRPr lang="en-GB" dirty="0"/>
           </a:p>
         </p:txBody>
       </p:sp>
@@ -29658,6 +29655,13 @@
   <p:clrMapOvr>
     <a:masterClrMapping/>
   </p:clrMapOvr>
+  <p:timing>
+    <p:tnLst>
+      <p:par>
+        <p:cTn xmlns:p14="http://schemas.microsoft.com/office/powerpoint/2010/main" id="1" dur="indefinite" restart="never" nodeType="tmRoot"/>
+      </p:par>
+    </p:tnLst>
+  </p:timing>
 </p:sld>
 </file>
 
@@ -29750,29 +29754,13 @@
           <a:p>
             <a:r>
               <a:rPr lang="en-GB" dirty="0" smtClean="0"/>
-              <a:t>Light blue	</a:t>
-            </a:r>
+              <a:t>Light blue	Low surrounded by  High</a:t>
+            </a:r>
+          </a:p>
+          <a:p>
             <a:r>
               <a:rPr lang="en-GB" dirty="0" smtClean="0"/>
-              <a:t>Low </a:t>
-            </a:r>
-            <a:r>
-              <a:rPr lang="en-GB" dirty="0" smtClean="0"/>
-              <a:t>surrounded by  High</a:t>
-            </a:r>
-          </a:p>
-          <a:p>
-            <a:r>
-              <a:rPr lang="en-GB" dirty="0" smtClean="0"/>
-              <a:t>Pink		</a:t>
-            </a:r>
-            <a:r>
-              <a:rPr lang="en-GB" dirty="0" smtClean="0"/>
-              <a:t>	High </a:t>
-            </a:r>
-            <a:r>
-              <a:rPr lang="en-GB" dirty="0" smtClean="0"/>
-              <a:t>surrounded by  Low</a:t>
+              <a:t>Pink			High surrounded by  Low</a:t>
             </a:r>
             <a:endParaRPr lang="en-GB" dirty="0"/>
           </a:p>
@@ -29803,11 +29791,7 @@
             <a:pPr algn="ctr"/>
             <a:r>
               <a:rPr lang="en-GB" sz="2400" dirty="0" smtClean="0"/>
-              <a:t>IMD Score in </a:t>
-            </a:r>
-            <a:r>
-              <a:rPr lang="en-GB" sz="2400" dirty="0" smtClean="0"/>
-              <a:t>Greater Manchester</a:t>
+              <a:t>IMD Score in Greater Manchester</a:t>
             </a:r>
             <a:endParaRPr lang="en-GB" sz="2400" dirty="0"/>
           </a:p>
@@ -29943,6 +29927,13 @@
   <p:clrMapOvr>
     <a:masterClrMapping/>
   </p:clrMapOvr>
+  <p:timing>
+    <p:tnLst>
+      <p:par>
+        <p:cTn xmlns:p14="http://schemas.microsoft.com/office/powerpoint/2010/main" id="1" dur="indefinite" restart="never" nodeType="tmRoot"/>
+      </p:par>
+    </p:tnLst>
+  </p:timing>
 </p:sld>
 </file>
 
@@ -30037,6 +30028,13 @@
   <p:clrMapOvr>
     <a:masterClrMapping/>
   </p:clrMapOvr>
+  <p:timing>
+    <p:tnLst>
+      <p:par>
+        <p:cTn xmlns:p14="http://schemas.microsoft.com/office/powerpoint/2010/main" id="1" dur="indefinite" restart="never" nodeType="tmRoot"/>
+      </p:par>
+    </p:tnLst>
+  </p:timing>
 </p:sld>
 </file>
 
@@ -30165,7 +30163,6 @@
               <a:rPr lang="en-US" i="1" dirty="0" smtClean="0"/>
               <a:t>I will do presentation after lunch</a:t>
             </a:r>
-            <a:endParaRPr lang="en-US" i="1" dirty="0" smtClean="0"/>
           </a:p>
         </p:txBody>
       </p:sp>
@@ -30284,6 +30281,13 @@
   <p:clrMapOvr>
     <a:masterClrMapping/>
   </p:clrMapOvr>
+  <p:timing>
+    <p:tnLst>
+      <p:par>
+        <p:cTn xmlns:p14="http://schemas.microsoft.com/office/powerpoint/2010/main" id="1" dur="indefinite" restart="never" nodeType="tmRoot"/>
+      </p:par>
+    </p:tnLst>
+  </p:timing>
 </p:sld>
 </file>
 
@@ -30352,15 +30356,7 @@
             <a:pPr lvl="0"/>
             <a:r>
               <a:rPr lang="en-GB" sz="2800" strike="sngStrike" dirty="0"/>
-              <a:t>9:</a:t>
-            </a:r>
-            <a:r>
-              <a:rPr lang="en-GB" sz="2800" strike="sngStrike" dirty="0"/>
-              <a:t>45 - </a:t>
-            </a:r>
-            <a:r>
-              <a:rPr lang="en-GB" sz="2800" strike="sngStrike" dirty="0"/>
-              <a:t>10</a:t>
+              <a:t>9:45 - 10</a:t>
             </a:r>
             <a:r>
               <a:rPr lang="en-GB" sz="2800" strike="sngStrike" dirty="0" smtClean="0"/>
@@ -30368,11 +30364,7 @@
             </a:r>
             <a:r>
               <a:rPr lang="en-GB" sz="2800" strike="sngStrike" dirty="0"/>
-              <a:t>– </a:t>
-            </a:r>
-            <a:r>
-              <a:rPr lang="en-GB" sz="2800" strike="sngStrike" dirty="0"/>
-              <a:t>Spatial data </a:t>
+              <a:t>– Spatial data </a:t>
             </a:r>
             <a:r>
               <a:rPr lang="en-GB" sz="2800" strike="sngStrike" dirty="0" smtClean="0"/>
@@ -30383,15 +30375,7 @@
             <a:pPr lvl="0"/>
             <a:r>
               <a:rPr lang="en-GB" sz="2800" strike="sngStrike" dirty="0" smtClean="0"/>
-              <a:t>10</a:t>
-            </a:r>
-            <a:r>
-              <a:rPr lang="en-GB" sz="2800" strike="sngStrike" dirty="0" smtClean="0"/>
-              <a:t>:</a:t>
-            </a:r>
-            <a:r>
-              <a:rPr lang="en-GB" sz="2800" strike="sngStrike" dirty="0" smtClean="0"/>
-              <a:t>05 </a:t>
+              <a:t>10:05 </a:t>
             </a:r>
             <a:r>
               <a:rPr lang="en-GB" sz="2800" strike="sngStrike" dirty="0"/>
@@ -30455,11 +30439,7 @@
             </a:r>
             <a:r>
               <a:rPr lang="en-GB" sz="2800" i="1" strike="sngStrike" dirty="0" smtClean="0"/>
-              <a:t>P.2 </a:t>
-            </a:r>
-            <a:r>
-              <a:rPr lang="en-GB" sz="2800" i="1" strike="sngStrike" dirty="0" smtClean="0"/>
-              <a:t>Spatial Analysis</a:t>
+              <a:t>P.2 Spatial Analysis</a:t>
             </a:r>
             <a:endParaRPr lang="en-US" sz="2800" strike="sngStrike" dirty="0"/>
           </a:p>
@@ -30471,11 +30451,7 @@
             </a:r>
             <a:r>
               <a:rPr lang="en-GB" sz="2800" i="1" strike="sngStrike" dirty="0" smtClean="0"/>
-              <a:t>30 </a:t>
-            </a:r>
-            <a:r>
-              <a:rPr lang="en-GB" sz="2800" i="1" strike="sngStrike" dirty="0" smtClean="0"/>
-              <a:t>- </a:t>
+              <a:t>30 - </a:t>
             </a:r>
             <a:r>
               <a:rPr lang="en-GB" sz="2800" i="1" strike="sngStrike" dirty="0"/>
@@ -30491,11 +30467,7 @@
             </a:r>
             <a:r>
               <a:rPr lang="en-GB" sz="2800" dirty="0" smtClean="0"/>
-              <a:t>30 </a:t>
-            </a:r>
-            <a:r>
-              <a:rPr lang="en-GB" sz="2800" dirty="0" smtClean="0"/>
-              <a:t>- </a:t>
+              <a:t>30 - </a:t>
             </a:r>
             <a:r>
               <a:rPr lang="en-GB" sz="2800" dirty="0"/>
@@ -30511,15 +30483,7 @@
             <a:pPr lvl="0"/>
             <a:r>
               <a:rPr lang="en-GB" sz="2800" dirty="0" smtClean="0"/>
-              <a:t>1:</a:t>
-            </a:r>
-            <a:r>
-              <a:rPr lang="en-GB" sz="2800" dirty="0" smtClean="0"/>
-              <a:t>45 </a:t>
-            </a:r>
-            <a:r>
-              <a:rPr lang="en-GB" sz="2800" dirty="0" smtClean="0"/>
-              <a:t>- 3:00pm – </a:t>
+              <a:t>1:45 - 3:00pm – </a:t>
             </a:r>
             <a:r>
               <a:rPr lang="en-GB" sz="2800" i="1" dirty="0" smtClean="0"/>
@@ -30531,19 +30495,7 @@
             <a:pPr lvl="0"/>
             <a:r>
               <a:rPr lang="en-GB" sz="2800" i="1" dirty="0" smtClean="0"/>
-              <a:t>3:</a:t>
-            </a:r>
-            <a:r>
-              <a:rPr lang="en-GB" sz="2800" i="1" dirty="0" smtClean="0"/>
-              <a:t>00 </a:t>
-            </a:r>
-            <a:r>
-              <a:rPr lang="en-GB" sz="2800" i="1" dirty="0" smtClean="0"/>
-              <a:t>- 3:15pm – </a:t>
-            </a:r>
-            <a:r>
-              <a:rPr lang="en-GB" sz="2800" i="1" dirty="0" smtClean="0"/>
-              <a:t>Tea/Coffee</a:t>
+              <a:t>3:00 - 3:15pm – Tea/Coffee</a:t>
             </a:r>
             <a:endParaRPr lang="en-US" sz="2800" i="1" dirty="0" smtClean="0"/>
           </a:p>
@@ -30551,11 +30503,7 @@
             <a:pPr lvl="0"/>
             <a:r>
               <a:rPr lang="en-GB" sz="2800" dirty="0" smtClean="0"/>
-              <a:t>3:</a:t>
-            </a:r>
-            <a:r>
-              <a:rPr lang="en-GB" sz="2800" dirty="0" smtClean="0"/>
-              <a:t>15 </a:t>
+              <a:t>3:15 </a:t>
             </a:r>
             <a:r>
               <a:rPr lang="en-GB" sz="2800" dirty="0"/>
@@ -30677,11 +30625,7 @@
           <a:p>
             <a:r>
               <a:rPr lang="en-US" dirty="0" smtClean="0"/>
-              <a:t>Using GIS to help us make a decision from a number of available </a:t>
-            </a:r>
-            <a:r>
-              <a:rPr lang="en-US" dirty="0" smtClean="0"/>
-              <a:t>options</a:t>
+              <a:t>Using GIS to help us make a decision from a number of available options</a:t>
             </a:r>
           </a:p>
           <a:p>
@@ -30724,7 +30668,6 @@
               <a:rPr lang="en-US" dirty="0" smtClean="0"/>
               <a:t>etc.</a:t>
             </a:r>
-            <a:endParaRPr lang="en-US" dirty="0" smtClean="0"/>
           </a:p>
         </p:txBody>
       </p:sp>
@@ -30871,7 +30814,6 @@
               <a:rPr lang="en-US" dirty="0" smtClean="0"/>
               <a:t>And won’t provide all the answers</a:t>
             </a:r>
-            <a:endParaRPr lang="en-US" dirty="0" smtClean="0"/>
           </a:p>
         </p:txBody>
       </p:sp>
@@ -31045,6 +30987,13 @@
   <p:clrMapOvr>
     <a:masterClrMapping/>
   </p:clrMapOvr>
+  <p:timing>
+    <p:tnLst>
+      <p:par>
+        <p:cTn xmlns:p14="http://schemas.microsoft.com/office/powerpoint/2010/main" id="1" dur="indefinite" restart="never" nodeType="tmRoot"/>
+      </p:par>
+    </p:tnLst>
+  </p:timing>
 </p:sld>
 </file>
 
@@ -31113,15 +31062,7 @@
             <a:pPr lvl="0"/>
             <a:r>
               <a:rPr lang="en-GB" sz="2800" dirty="0"/>
-              <a:t>9:</a:t>
-            </a:r>
-            <a:r>
-              <a:rPr lang="en-GB" sz="2800" dirty="0"/>
-              <a:t>45 - </a:t>
-            </a:r>
-            <a:r>
-              <a:rPr lang="en-GB" sz="2800" dirty="0"/>
-              <a:t>10</a:t>
+              <a:t>9:45 - 10</a:t>
             </a:r>
             <a:r>
               <a:rPr lang="en-GB" sz="2800" dirty="0" smtClean="0"/>
@@ -31129,11 +31070,7 @@
             </a:r>
             <a:r>
               <a:rPr lang="en-GB" sz="2800" dirty="0"/>
-              <a:t>– </a:t>
-            </a:r>
-            <a:r>
-              <a:rPr lang="en-GB" sz="2800" dirty="0"/>
-              <a:t>Spatial data </a:t>
+              <a:t>– Spatial data </a:t>
             </a:r>
             <a:r>
               <a:rPr lang="en-GB" sz="2800" dirty="0" smtClean="0"/>
@@ -31144,15 +31081,7 @@
             <a:pPr lvl="0"/>
             <a:r>
               <a:rPr lang="en-GB" sz="2800" dirty="0" smtClean="0"/>
-              <a:t>10</a:t>
-            </a:r>
-            <a:r>
-              <a:rPr lang="en-GB" sz="2800" dirty="0" smtClean="0"/>
-              <a:t>:</a:t>
-            </a:r>
-            <a:r>
-              <a:rPr lang="en-GB" sz="2800" dirty="0" smtClean="0"/>
-              <a:t>05 </a:t>
+              <a:t>10:05 </a:t>
             </a:r>
             <a:r>
               <a:rPr lang="en-GB" sz="2800" dirty="0"/>
@@ -31216,11 +31145,7 @@
             </a:r>
             <a:r>
               <a:rPr lang="en-GB" sz="2800" i="1" dirty="0" smtClean="0"/>
-              <a:t>P.2 </a:t>
-            </a:r>
-            <a:r>
-              <a:rPr lang="en-GB" sz="2800" i="1" dirty="0" smtClean="0"/>
-              <a:t>Spatial Analysis</a:t>
+              <a:t>P.2 Spatial Analysis</a:t>
             </a:r>
             <a:endParaRPr lang="en-US" sz="2800" dirty="0"/>
           </a:p>
@@ -31232,11 +31157,7 @@
             </a:r>
             <a:r>
               <a:rPr lang="en-GB" sz="2800" i="1" dirty="0" smtClean="0"/>
-              <a:t>30 </a:t>
-            </a:r>
-            <a:r>
-              <a:rPr lang="en-GB" sz="2800" i="1" dirty="0" smtClean="0"/>
-              <a:t>- </a:t>
+              <a:t>30 - </a:t>
             </a:r>
             <a:r>
               <a:rPr lang="en-GB" sz="2800" i="1" dirty="0"/>
@@ -31252,11 +31173,7 @@
             </a:r>
             <a:r>
               <a:rPr lang="en-GB" sz="2800" dirty="0" smtClean="0"/>
-              <a:t>30 </a:t>
-            </a:r>
-            <a:r>
-              <a:rPr lang="en-GB" sz="2800" dirty="0" smtClean="0"/>
-              <a:t>- </a:t>
+              <a:t>30 - </a:t>
             </a:r>
             <a:r>
               <a:rPr lang="en-GB" sz="2800" dirty="0"/>
@@ -31272,15 +31189,7 @@
             <a:pPr lvl="0"/>
             <a:r>
               <a:rPr lang="en-GB" sz="2800" dirty="0" smtClean="0"/>
-              <a:t>1:</a:t>
-            </a:r>
-            <a:r>
-              <a:rPr lang="en-GB" sz="2800" dirty="0" smtClean="0"/>
-              <a:t>45 </a:t>
-            </a:r>
-            <a:r>
-              <a:rPr lang="en-GB" sz="2800" dirty="0" smtClean="0"/>
-              <a:t>- 3:00pm – </a:t>
+              <a:t>1:45 - 3:00pm – </a:t>
             </a:r>
             <a:r>
               <a:rPr lang="en-GB" sz="2800" i="1" dirty="0" smtClean="0"/>
@@ -31292,19 +31201,7 @@
             <a:pPr lvl="0"/>
             <a:r>
               <a:rPr lang="en-GB" sz="2800" i="1" dirty="0" smtClean="0"/>
-              <a:t>3:</a:t>
-            </a:r>
-            <a:r>
-              <a:rPr lang="en-GB" sz="2800" i="1" dirty="0" smtClean="0"/>
-              <a:t>00 </a:t>
-            </a:r>
-            <a:r>
-              <a:rPr lang="en-GB" sz="2800" i="1" dirty="0" smtClean="0"/>
-              <a:t>- 3:15pm – </a:t>
-            </a:r>
-            <a:r>
-              <a:rPr lang="en-GB" sz="2800" i="1" dirty="0" smtClean="0"/>
-              <a:t>Tea/Coffee</a:t>
+              <a:t>3:00 - 3:15pm – Tea/Coffee</a:t>
             </a:r>
             <a:endParaRPr lang="en-US" sz="2800" i="1" dirty="0" smtClean="0"/>
           </a:p>
@@ -31312,11 +31209,7 @@
             <a:pPr lvl="0"/>
             <a:r>
               <a:rPr lang="en-GB" sz="2800" dirty="0" smtClean="0"/>
-              <a:t>3:</a:t>
-            </a:r>
-            <a:r>
-              <a:rPr lang="en-GB" sz="2800" dirty="0" smtClean="0"/>
-              <a:t>15 </a:t>
+              <a:t>3:15 </a:t>
             </a:r>
             <a:r>
               <a:rPr lang="en-GB" sz="2800" dirty="0"/>
@@ -31483,6 +31376,13 @@
   <p:clrMapOvr>
     <a:masterClrMapping/>
   </p:clrMapOvr>
+  <p:timing>
+    <p:tnLst>
+      <p:par>
+        <p:cTn xmlns:p14="http://schemas.microsoft.com/office/powerpoint/2010/main" id="1" dur="indefinite" restart="never" nodeType="tmRoot"/>
+      </p:par>
+    </p:tnLst>
+  </p:timing>
 </p:sld>
 </file>
 
@@ -31790,7 +31690,6 @@
               <a:rPr lang="en-US" dirty="0" smtClean="0"/>
               <a:t>Overlay &amp; Averages</a:t>
             </a:r>
-            <a:endParaRPr lang="en-US" dirty="0" smtClean="0"/>
           </a:p>
         </p:txBody>
       </p:sp>
@@ -31969,6 +31868,13 @@
   <p:clrMapOvr>
     <a:masterClrMapping/>
   </p:clrMapOvr>
+  <p:timing>
+    <p:tnLst>
+      <p:par>
+        <p:cTn xmlns:p14="http://schemas.microsoft.com/office/powerpoint/2010/main" id="1" dur="indefinite" restart="never" nodeType="tmRoot"/>
+      </p:par>
+    </p:tnLst>
+  </p:timing>
 </p:sld>
 </file>
 
@@ -32271,6 +32177,13 @@
   <p:clrMapOvr>
     <a:masterClrMapping/>
   </p:clrMapOvr>
+  <p:timing>
+    <p:tnLst>
+      <p:par>
+        <p:cTn xmlns:p14="http://schemas.microsoft.com/office/powerpoint/2010/main" id="1" dur="indefinite" restart="never" nodeType="tmRoot"/>
+      </p:par>
+    </p:tnLst>
+  </p:timing>
 </p:sld>
 </file>
 
@@ -32564,6 +32477,13 @@
   <p:clrMapOvr>
     <a:masterClrMapping/>
   </p:clrMapOvr>
+  <p:timing>
+    <p:tnLst>
+      <p:par>
+        <p:cTn xmlns:p14="http://schemas.microsoft.com/office/powerpoint/2010/main" id="1" dur="indefinite" restart="never" nodeType="tmRoot"/>
+      </p:par>
+    </p:tnLst>
+  </p:timing>
 </p:sld>
 </file>
 
@@ -32616,11 +32536,7 @@
             </a:r>
             <a:r>
               <a:rPr lang="en-GB" sz="4000" dirty="0"/>
-              <a:t>and Intersections</a:t>
-            </a:r>
-            <a:r>
-              <a:rPr lang="en-GB" sz="4000" dirty="0"/>
-              <a:t> </a:t>
+              <a:t>and Intersections </a:t>
             </a:r>
             <a:endParaRPr lang="en-US" sz="4000" dirty="0"/>
           </a:p>
@@ -32652,12 +32568,26 @@
             </a:r>
           </a:p>
           <a:p>
+            <a:r>
+              <a:rPr lang="en-US" dirty="0" smtClean="0"/>
+              <a:t>Working directory</a:t>
+            </a:r>
             <a:endParaRPr lang="en-US" dirty="0"/>
           </a:p>
           <a:p>
             <a:r>
               <a:rPr lang="en-US" dirty="0" smtClean="0"/>
-              <a:t>Things to think about:</a:t>
+              <a:t>Tab completion</a:t>
+            </a:r>
+          </a:p>
+          <a:p>
+            <a:r>
+              <a:rPr lang="en-US" dirty="0" smtClean="0"/>
+              <a:t>Things </a:t>
+            </a:r>
+            <a:r>
+              <a:rPr lang="en-US" dirty="0" smtClean="0"/>
+              <a:t>to think about:</a:t>
             </a:r>
           </a:p>
           <a:p>
@@ -32754,7 +32684,7 @@
         </p:blipFill>
         <p:spPr>
           <a:xfrm>
-            <a:off x="3766391" y="1583671"/>
+            <a:off x="4423478" y="1583671"/>
             <a:ext cx="2527300" cy="914400"/>
           </a:xfrm>
           <a:prstGeom prst="rect">
@@ -32851,6 +32781,13 @@
   <p:clrMapOvr>
     <a:masterClrMapping/>
   </p:clrMapOvr>
+  <p:timing>
+    <p:tnLst>
+      <p:par>
+        <p:cTn xmlns:p14="http://schemas.microsoft.com/office/powerpoint/2010/main" id="1" dur="indefinite" restart="never" nodeType="tmRoot"/>
+      </p:par>
+    </p:tnLst>
+  </p:timing>
 </p:sld>
 </file>
 
@@ -32957,7 +32894,6 @@
               <a:rPr lang="en-US" dirty="0" smtClean="0"/>
               <a:t>Usually first step to develop formal hypothesis</a:t>
             </a:r>
-            <a:endParaRPr lang="en-US" dirty="0" smtClean="0"/>
           </a:p>
         </p:txBody>
       </p:sp>
@@ -33072,15 +33008,7 @@
             <a:pPr lvl="0"/>
             <a:r>
               <a:rPr lang="en-GB" sz="2800" strike="sngStrike" dirty="0"/>
-              <a:t>9:</a:t>
-            </a:r>
-            <a:r>
-              <a:rPr lang="en-GB" sz="2800" strike="sngStrike" dirty="0"/>
-              <a:t>45 - </a:t>
-            </a:r>
-            <a:r>
-              <a:rPr lang="en-GB" sz="2800" strike="sngStrike" dirty="0"/>
-              <a:t>10</a:t>
+              <a:t>9:45 - 10</a:t>
             </a:r>
             <a:r>
               <a:rPr lang="en-GB" sz="2800" strike="sngStrike" dirty="0" smtClean="0"/>
@@ -33088,11 +33016,7 @@
             </a:r>
             <a:r>
               <a:rPr lang="en-GB" sz="2800" strike="sngStrike" dirty="0"/>
-              <a:t>– </a:t>
-            </a:r>
-            <a:r>
-              <a:rPr lang="en-GB" sz="2800" strike="sngStrike" dirty="0"/>
-              <a:t>Spatial data </a:t>
+              <a:t>– Spatial data </a:t>
             </a:r>
             <a:r>
               <a:rPr lang="en-GB" sz="2800" strike="sngStrike" dirty="0" smtClean="0"/>
@@ -33103,15 +33027,7 @@
             <a:pPr lvl="0"/>
             <a:r>
               <a:rPr lang="en-GB" sz="2800" strike="sngStrike" dirty="0" smtClean="0"/>
-              <a:t>10</a:t>
-            </a:r>
-            <a:r>
-              <a:rPr lang="en-GB" sz="2800" strike="sngStrike" dirty="0" smtClean="0"/>
-              <a:t>:</a:t>
-            </a:r>
-            <a:r>
-              <a:rPr lang="en-GB" sz="2800" strike="sngStrike" dirty="0" smtClean="0"/>
-              <a:t>05 </a:t>
+              <a:t>10:05 </a:t>
             </a:r>
             <a:r>
               <a:rPr lang="en-GB" sz="2800" strike="sngStrike" dirty="0"/>
@@ -33175,11 +33091,7 @@
             </a:r>
             <a:r>
               <a:rPr lang="en-GB" sz="2800" i="1" strike="sngStrike" dirty="0" smtClean="0"/>
-              <a:t>P.2 </a:t>
-            </a:r>
-            <a:r>
-              <a:rPr lang="en-GB" sz="2800" i="1" strike="sngStrike" dirty="0" smtClean="0"/>
-              <a:t>Spatial Analysis</a:t>
+              <a:t>P.2 Spatial Analysis</a:t>
             </a:r>
             <a:endParaRPr lang="en-US" sz="2800" strike="sngStrike" dirty="0"/>
           </a:p>
@@ -33191,11 +33103,7 @@
             </a:r>
             <a:r>
               <a:rPr lang="en-GB" sz="2800" i="1" strike="sngStrike" dirty="0" smtClean="0"/>
-              <a:t>30 </a:t>
-            </a:r>
-            <a:r>
-              <a:rPr lang="en-GB" sz="2800" i="1" strike="sngStrike" dirty="0" smtClean="0"/>
-              <a:t>- </a:t>
+              <a:t>30 - </a:t>
             </a:r>
             <a:r>
               <a:rPr lang="en-GB" sz="2800" i="1" strike="sngStrike" dirty="0"/>
@@ -33211,11 +33119,7 @@
             </a:r>
             <a:r>
               <a:rPr lang="en-GB" sz="2800" strike="sngStrike" dirty="0" smtClean="0"/>
-              <a:t>30 </a:t>
-            </a:r>
-            <a:r>
-              <a:rPr lang="en-GB" sz="2800" strike="sngStrike" dirty="0" smtClean="0"/>
-              <a:t>- </a:t>
+              <a:t>30 - </a:t>
             </a:r>
             <a:r>
               <a:rPr lang="en-GB" sz="2800" strike="sngStrike" dirty="0"/>
@@ -33231,15 +33135,7 @@
             <a:pPr lvl="0"/>
             <a:r>
               <a:rPr lang="en-GB" sz="2800" strike="sngStrike" dirty="0" smtClean="0"/>
-              <a:t>1:</a:t>
-            </a:r>
-            <a:r>
-              <a:rPr lang="en-GB" sz="2800" strike="sngStrike" dirty="0" smtClean="0"/>
-              <a:t>45 </a:t>
-            </a:r>
-            <a:r>
-              <a:rPr lang="en-GB" sz="2800" strike="sngStrike" dirty="0" smtClean="0"/>
-              <a:t>- 3:00pm – </a:t>
+              <a:t>1:45 - 3:00pm – </a:t>
             </a:r>
             <a:r>
               <a:rPr lang="en-GB" sz="2800" i="1" strike="sngStrike" dirty="0" smtClean="0"/>
@@ -33251,19 +33147,7 @@
             <a:pPr lvl="0"/>
             <a:r>
               <a:rPr lang="en-GB" sz="2800" i="1" strike="sngStrike" dirty="0" smtClean="0"/>
-              <a:t>3:</a:t>
-            </a:r>
-            <a:r>
-              <a:rPr lang="en-GB" sz="2800" i="1" strike="sngStrike" dirty="0" smtClean="0"/>
-              <a:t>00 </a:t>
-            </a:r>
-            <a:r>
-              <a:rPr lang="en-GB" sz="2800" i="1" strike="sngStrike" dirty="0" smtClean="0"/>
-              <a:t>- 3:15pm – </a:t>
-            </a:r>
-            <a:r>
-              <a:rPr lang="en-GB" sz="2800" i="1" strike="sngStrike" dirty="0" smtClean="0"/>
-              <a:t>Tea/Coffee</a:t>
+              <a:t>3:00 - 3:15pm – Tea/Coffee</a:t>
             </a:r>
             <a:endParaRPr lang="en-US" sz="2800" i="1" strike="sngStrike" dirty="0" smtClean="0"/>
           </a:p>
@@ -33271,11 +33155,7 @@
             <a:pPr lvl="0"/>
             <a:r>
               <a:rPr lang="en-GB" sz="2800" dirty="0" smtClean="0"/>
-              <a:t>3:</a:t>
-            </a:r>
-            <a:r>
-              <a:rPr lang="en-GB" sz="2800" dirty="0" smtClean="0"/>
-              <a:t>15 </a:t>
+              <a:t>3:15 </a:t>
             </a:r>
             <a:r>
               <a:rPr lang="en-GB" sz="2800" dirty="0"/>
@@ -33621,7 +33501,6 @@
               <a:rPr lang="en-US" dirty="0" smtClean="0"/>
               <a:t>Scripts</a:t>
             </a:r>
-            <a:endParaRPr lang="en-US" dirty="0" smtClean="0"/>
           </a:p>
           <a:p>
             <a:pPr lvl="1"/>
@@ -33629,7 +33508,6 @@
               <a:rPr lang="en-US" dirty="0" smtClean="0"/>
               <a:t>Functions</a:t>
             </a:r>
-            <a:endParaRPr lang="en-US" dirty="0" smtClean="0"/>
           </a:p>
         </p:txBody>
       </p:sp>
@@ -33755,11 +33633,7 @@
             <a:pPr lvl="1"/>
             <a:r>
               <a:rPr lang="en-US" dirty="0" smtClean="0"/>
-              <a:t>Clustering, </a:t>
-            </a:r>
-            <a:r>
-              <a:rPr lang="en-US" dirty="0" smtClean="0"/>
-              <a:t>Regression</a:t>
+              <a:t>Clustering, Regression</a:t>
             </a:r>
           </a:p>
           <a:p>
@@ -33786,11 +33660,7 @@
           <a:p>
             <a:r>
               <a:rPr lang="en-US" dirty="0" err="1" smtClean="0"/>
-              <a:t>G</a:t>
-            </a:r>
-            <a:r>
-              <a:rPr lang="en-US" dirty="0" err="1" smtClean="0"/>
-              <a:t>eoDa</a:t>
+              <a:t>GeoDa</a:t>
             </a:r>
             <a:endParaRPr lang="en-US" dirty="0" smtClean="0"/>
           </a:p>
@@ -33800,7 +33670,6 @@
               <a:rPr lang="en-US" dirty="0" smtClean="0"/>
               <a:t>Spatial Autocorrelation / Clustering</a:t>
             </a:r>
-            <a:endParaRPr lang="en-US" dirty="0" smtClean="0"/>
           </a:p>
         </p:txBody>
       </p:sp>
@@ -34470,7 +34339,6 @@
               <a:rPr lang="en-US" dirty="0" smtClean="0"/>
               <a:t> </a:t>
             </a:r>
-            <a:endParaRPr lang="en-US" dirty="0" smtClean="0"/>
           </a:p>
           <a:p>
             <a:r>
@@ -36476,11 +36344,7 @@
           <a:p>
             <a:r>
               <a:rPr lang="en-US" dirty="0" smtClean="0"/>
-              <a:t>Slot </a:t>
-            </a:r>
-            <a:r>
-              <a:rPr lang="en-US" dirty="0" smtClean="0"/>
-              <a:t>Names </a:t>
+              <a:t>Slot Names </a:t>
             </a:r>
             <a:r>
               <a:rPr lang="en-US" dirty="0" err="1" smtClean="0">
